--- a/Inversion of Control.pptx
+++ b/Inversion of Control.pptx
@@ -151,18 +151,18 @@
   <pc:docChgLst>
     <pc:chgData name="Tzvetozar Cherkezov" userId="88602089c301b2bf" providerId="LiveId" clId="{0D31658B-3FC1-4DDF-ADFF-78237D8D0D64}"/>
     <pc:docChg chg="undo custSel addSld delSld modSld sldOrd">
-      <pc:chgData name="Tzvetozar Cherkezov" userId="88602089c301b2bf" providerId="LiveId" clId="{0D31658B-3FC1-4DDF-ADFF-78237D8D0D64}" dt="2024-07-23T10:57:26.260" v="2260" actId="6549"/>
+      <pc:chgData name="Tzvetozar Cherkezov" userId="88602089c301b2bf" providerId="LiveId" clId="{0D31658B-3FC1-4DDF-ADFF-78237D8D0D64}" dt="2024-07-23T11:31:03.726" v="2377" actId="1076"/>
       <pc:docMkLst>
         <pc:docMk/>
       </pc:docMkLst>
       <pc:sldChg chg="addSp delSp modSp mod">
-        <pc:chgData name="Tzvetozar Cherkezov" userId="88602089c301b2bf" providerId="LiveId" clId="{0D31658B-3FC1-4DDF-ADFF-78237D8D0D64}" dt="2024-07-23T10:08:45.176" v="2251" actId="114"/>
+        <pc:chgData name="Tzvetozar Cherkezov" userId="88602089c301b2bf" providerId="LiveId" clId="{0D31658B-3FC1-4DDF-ADFF-78237D8D0D64}" dt="2024-07-23T11:31:03.726" v="2377" actId="1076"/>
         <pc:sldMkLst>
           <pc:docMk/>
           <pc:sldMk cId="0" sldId="258"/>
         </pc:sldMkLst>
         <pc:spChg chg="mod">
-          <ac:chgData name="Tzvetozar Cherkezov" userId="88602089c301b2bf" providerId="LiveId" clId="{0D31658B-3FC1-4DDF-ADFF-78237D8D0D64}" dt="2024-07-22T15:51:00.315" v="1887" actId="20577"/>
+          <ac:chgData name="Tzvetozar Cherkezov" userId="88602089c301b2bf" providerId="LiveId" clId="{0D31658B-3FC1-4DDF-ADFF-78237D8D0D64}" dt="2024-07-23T11:29:20.852" v="2373" actId="1076"/>
           <ac:spMkLst>
             <pc:docMk/>
             <pc:sldMk cId="0" sldId="258"/>
@@ -202,7 +202,7 @@
           </ac:spMkLst>
         </pc:spChg>
         <pc:grpChg chg="mod">
-          <ac:chgData name="Tzvetozar Cherkezov" userId="88602089c301b2bf" providerId="LiveId" clId="{0D31658B-3FC1-4DDF-ADFF-78237D8D0D64}" dt="2024-07-22T10:54:21.098" v="159" actId="1076"/>
+          <ac:chgData name="Tzvetozar Cherkezov" userId="88602089c301b2bf" providerId="LiveId" clId="{0D31658B-3FC1-4DDF-ADFF-78237D8D0D64}" dt="2024-07-23T11:29:31.275" v="2376" actId="14100"/>
           <ac:grpSpMkLst>
             <pc:docMk/>
             <pc:sldMk cId="0" sldId="258"/>
@@ -210,7 +210,15 @@
           </ac:grpSpMkLst>
         </pc:grpChg>
         <pc:picChg chg="add mod">
-          <ac:chgData name="Tzvetozar Cherkezov" userId="88602089c301b2bf" providerId="LiveId" clId="{0D31658B-3FC1-4DDF-ADFF-78237D8D0D64}" dt="2024-07-22T10:53:39.470" v="120" actId="1076"/>
+          <ac:chgData name="Tzvetozar Cherkezov" userId="88602089c301b2bf" providerId="LiveId" clId="{0D31658B-3FC1-4DDF-ADFF-78237D8D0D64}" dt="2024-07-23T11:29:16.149" v="2372" actId="1076"/>
+          <ac:picMkLst>
+            <pc:docMk/>
+            <pc:sldMk cId="0" sldId="258"/>
+            <ac:picMk id="5" creationId="{72CD8E0D-BC81-D216-419C-81994EF3824F}"/>
+          </ac:picMkLst>
+        </pc:picChg>
+        <pc:picChg chg="add mod">
+          <ac:chgData name="Tzvetozar Cherkezov" userId="88602089c301b2bf" providerId="LiveId" clId="{0D31658B-3FC1-4DDF-ADFF-78237D8D0D64}" dt="2024-07-23T11:31:03.726" v="2377" actId="1076"/>
           <ac:picMkLst>
             <pc:docMk/>
             <pc:sldMk cId="0" sldId="258"/>
@@ -859,7 +867,7 @@
         </pc:picChg>
       </pc:sldChg>
       <pc:sldChg chg="addSp modSp add mod modNotesTx">
-        <pc:chgData name="Tzvetozar Cherkezov" userId="88602089c301b2bf" providerId="LiveId" clId="{0D31658B-3FC1-4DDF-ADFF-78237D8D0D64}" dt="2024-07-23T10:56:38.089" v="2256" actId="1076"/>
+        <pc:chgData name="Tzvetozar Cherkezov" userId="88602089c301b2bf" providerId="LiveId" clId="{0D31658B-3FC1-4DDF-ADFF-78237D8D0D64}" dt="2024-07-23T11:27:07.969" v="2343" actId="1076"/>
         <pc:sldMkLst>
           <pc:docMk/>
           <pc:sldMk cId="1501956376" sldId="287"/>
@@ -881,13 +889,37 @@
           </ac:spMkLst>
         </pc:spChg>
         <pc:spChg chg="mod">
-          <ac:chgData name="Tzvetozar Cherkezov" userId="88602089c301b2bf" providerId="LiveId" clId="{0D31658B-3FC1-4DDF-ADFF-78237D8D0D64}" dt="2024-07-23T10:55:40.460" v="2255" actId="113"/>
+          <ac:chgData name="Tzvetozar Cherkezov" userId="88602089c301b2bf" providerId="LiveId" clId="{0D31658B-3FC1-4DDF-ADFF-78237D8D0D64}" dt="2024-07-23T11:26:49.144" v="2337" actId="20577"/>
           <ac:spMkLst>
             <pc:docMk/>
             <pc:sldMk cId="1501956376" sldId="287"/>
             <ac:spMk id="8" creationId="{B52486CE-DF66-8B63-C625-DB7CA06E34E0}"/>
           </ac:spMkLst>
         </pc:spChg>
+        <pc:grpChg chg="mod">
+          <ac:chgData name="Tzvetozar Cherkezov" userId="88602089c301b2bf" providerId="LiveId" clId="{0D31658B-3FC1-4DDF-ADFF-78237D8D0D64}" dt="2024-07-23T11:26:59.704" v="2340" actId="1076"/>
+          <ac:grpSpMkLst>
+            <pc:docMk/>
+            <pc:sldMk cId="1501956376" sldId="287"/>
+            <ac:grpSpMk id="5" creationId="{00000000-0000-0000-0000-000000000000}"/>
+          </ac:grpSpMkLst>
+        </pc:grpChg>
+        <pc:picChg chg="add mod">
+          <ac:chgData name="Tzvetozar Cherkezov" userId="88602089c301b2bf" providerId="LiveId" clId="{0D31658B-3FC1-4DDF-ADFF-78237D8D0D64}" dt="2024-07-23T11:27:07.969" v="2343" actId="1076"/>
+          <ac:picMkLst>
+            <pc:docMk/>
+            <pc:sldMk cId="1501956376" sldId="287"/>
+            <ac:picMk id="9" creationId="{A7A1009B-0D2E-3B3B-2529-59C109A67EE8}"/>
+          </ac:picMkLst>
+        </pc:picChg>
+        <pc:picChg chg="add mod">
+          <ac:chgData name="Tzvetozar Cherkezov" userId="88602089c301b2bf" providerId="LiveId" clId="{0D31658B-3FC1-4DDF-ADFF-78237D8D0D64}" dt="2024-07-23T11:25:51.538" v="2265" actId="1076"/>
+          <ac:picMkLst>
+            <pc:docMk/>
+            <pc:sldMk cId="1501956376" sldId="287"/>
+            <ac:picMk id="1026" creationId="{0274A6F9-BBA4-2000-73A9-61D5F6531DC8}"/>
+          </ac:picMkLst>
+        </pc:picChg>
       </pc:sldChg>
       <pc:sldChg chg="delSp modSp add del mod">
         <pc:chgData name="Tzvetozar Cherkezov" userId="88602089c301b2bf" providerId="LiveId" clId="{0D31658B-3FC1-4DDF-ADFF-78237D8D0D64}" dt="2024-07-22T12:35:54.142" v="1239" actId="2696"/>
@@ -5536,7 +5568,7 @@
             </a:pPr>
             <a:r>
               <a:rPr lang="en-US" sz="4400" dirty="0"/>
-              <a:t>You can find the deck and codebase here: </a:t>
+              <a:t>Find the deck and codebase by QR code or link: </a:t>
             </a:r>
             <a:r>
               <a:rPr lang="en-US" sz="4400" b="1" dirty="0"/>
@@ -5731,6 +5763,89 @@
           </a:p>
         </p:txBody>
       </p:sp>
+      <p:pic>
+        <p:nvPicPr>
+          <p:cNvPr id="1026" name="Picture 2">
+            <a:extLst>
+              <a:ext uri="{FF2B5EF4-FFF2-40B4-BE49-F238E27FC236}">
+                <a16:creationId xmlns:a16="http://schemas.microsoft.com/office/drawing/2014/main" id="{0274A6F9-BBA4-2000-73A9-61D5F6531DC8}"/>
+              </a:ext>
+            </a:extLst>
+          </p:cNvPr>
+          <p:cNvPicPr>
+            <a:picLocks noChangeAspect="1" noChangeArrowheads="1"/>
+          </p:cNvPicPr>
+          <p:nvPr/>
+        </p:nvPicPr>
+        <p:blipFill>
+          <a:blip r:embed="rId3">
+            <a:extLst>
+              <a:ext uri="{28A0092B-C50C-407E-A947-70E740481C1C}">
+                <a14:useLocalDpi xmlns:a14="http://schemas.microsoft.com/office/drawing/2010/main" val="0"/>
+              </a:ext>
+            </a:extLst>
+          </a:blip>
+          <a:srcRect/>
+          <a:stretch>
+            <a:fillRect/>
+          </a:stretch>
+        </p:blipFill>
+        <p:spPr bwMode="auto">
+          <a:xfrm>
+            <a:off x="838200" y="7900555"/>
+            <a:ext cx="3657600" cy="966847"/>
+          </a:xfrm>
+          <a:prstGeom prst="rect">
+            <a:avLst/>
+          </a:prstGeom>
+          <a:noFill/>
+          <a:extLst>
+            <a:ext uri="{909E8E84-426E-40DD-AFC4-6F175D3DCCD1}">
+              <a14:hiddenFill xmlns:a14="http://schemas.microsoft.com/office/drawing/2010/main">
+                <a:solidFill>
+                  <a:srgbClr val="FFFFFF"/>
+                </a:solidFill>
+              </a14:hiddenFill>
+            </a:ext>
+          </a:extLst>
+        </p:spPr>
+      </p:pic>
+      <p:pic>
+        <p:nvPicPr>
+          <p:cNvPr id="9" name="Picture 8">
+            <a:extLst>
+              <a:ext uri="{FF2B5EF4-FFF2-40B4-BE49-F238E27FC236}">
+                <a16:creationId xmlns:a16="http://schemas.microsoft.com/office/drawing/2014/main" id="{A7A1009B-0D2E-3B3B-2529-59C109A67EE8}"/>
+              </a:ext>
+            </a:extLst>
+          </p:cNvPr>
+          <p:cNvPicPr>
+            <a:picLocks noChangeAspect="1"/>
+          </p:cNvPicPr>
+          <p:nvPr/>
+        </p:nvPicPr>
+        <p:blipFill>
+          <a:blip r:embed="rId4">
+            <a:extLst>
+              <a:ext uri="{28A0092B-C50C-407E-A947-70E740481C1C}">
+                <a14:useLocalDpi xmlns:a14="http://schemas.microsoft.com/office/drawing/2010/main" val="0"/>
+              </a:ext>
+            </a:extLst>
+          </a:blip>
+          <a:stretch>
+            <a:fillRect/>
+          </a:stretch>
+        </p:blipFill>
+        <p:spPr>
+          <a:xfrm>
+            <a:off x="12039600" y="2327065"/>
+            <a:ext cx="5528960" cy="5528960"/>
+          </a:xfrm>
+          <a:prstGeom prst="rect">
+            <a:avLst/>
+          </a:prstGeom>
+        </p:spPr>
+      </p:pic>
     </p:spTree>
     <p:extLst>
       <p:ext uri="{BB962C8B-B14F-4D97-AF65-F5344CB8AC3E}">
@@ -5852,8 +5967,8 @@
         </p:nvGrpSpPr>
         <p:grpSpPr>
           <a:xfrm>
-            <a:off x="10490200" y="6541492"/>
-            <a:ext cx="6756400" cy="2385615"/>
+            <a:off x="10716422" y="6541492"/>
+            <a:ext cx="6190507" cy="3021608"/>
             <a:chOff x="0" y="0"/>
             <a:chExt cx="1779463" cy="337830"/>
           </a:xfrm>
@@ -5937,8 +6052,8 @@
         </p:nvSpPr>
         <p:spPr>
           <a:xfrm>
-            <a:off x="10327481" y="7734299"/>
-            <a:ext cx="6578600" cy="847668"/>
+            <a:off x="10452100" y="7734299"/>
+            <a:ext cx="6578600" cy="398827"/>
           </a:xfrm>
           <a:prstGeom prst="rect">
             <a:avLst/>
@@ -5963,22 +6078,6 @@
                 <a:latin typeface="Montserrat Classic"/>
               </a:rPr>
               <a:t>Technical Trainer</a:t>
-            </a:r>
-          </a:p>
-          <a:p>
-            <a:pPr algn="ctr">
-              <a:lnSpc>
-                <a:spcPts val="3499"/>
-              </a:lnSpc>
-            </a:pPr>
-            <a:r>
-              <a:rPr lang="en-US" sz="2499" dirty="0">
-                <a:solidFill>
-                  <a:srgbClr val="000000"/>
-                </a:solidFill>
-                <a:latin typeface="Montserrat Classic"/>
-              </a:rPr>
-              <a:t>Telerik Academy</a:t>
             </a:r>
           </a:p>
         </p:txBody>
@@ -6122,9 +6221,56 @@
         </p:blipFill>
         <p:spPr>
           <a:xfrm>
-            <a:off x="11049000" y="1104505"/>
+            <a:off x="11243894" y="1141944"/>
             <a:ext cx="5135562" cy="5135562"/>
           </a:xfrm>
+        </p:spPr>
+      </p:pic>
+      <p:pic>
+        <p:nvPicPr>
+          <p:cNvPr id="5" name="Picture 2">
+            <a:extLst>
+              <a:ext uri="{FF2B5EF4-FFF2-40B4-BE49-F238E27FC236}">
+                <a16:creationId xmlns:a16="http://schemas.microsoft.com/office/drawing/2014/main" id="{72CD8E0D-BC81-D216-419C-81994EF3824F}"/>
+              </a:ext>
+            </a:extLst>
+          </p:cNvPr>
+          <p:cNvPicPr>
+            <a:picLocks noChangeAspect="1" noChangeArrowheads="1"/>
+          </p:cNvPicPr>
+          <p:nvPr/>
+        </p:nvPicPr>
+        <p:blipFill>
+          <a:blip r:embed="rId3">
+            <a:extLst>
+              <a:ext uri="{28A0092B-C50C-407E-A947-70E740481C1C}">
+                <a14:useLocalDpi xmlns:a14="http://schemas.microsoft.com/office/drawing/2010/main" val="0"/>
+              </a:ext>
+            </a:extLst>
+          </a:blip>
+          <a:srcRect/>
+          <a:stretch>
+            <a:fillRect/>
+          </a:stretch>
+        </p:blipFill>
+        <p:spPr bwMode="auto">
+          <a:xfrm>
+            <a:off x="12347971" y="8491398"/>
+            <a:ext cx="2537619" cy="670792"/>
+          </a:xfrm>
+          <a:prstGeom prst="rect">
+            <a:avLst/>
+          </a:prstGeom>
+          <a:noFill/>
+          <a:extLst>
+            <a:ext uri="{909E8E84-426E-40DD-AFC4-6F175D3DCCD1}">
+              <a14:hiddenFill xmlns:a14="http://schemas.microsoft.com/office/drawing/2010/main">
+                <a:solidFill>
+                  <a:srgbClr val="FFFFFF"/>
+                </a:solidFill>
+              </a14:hiddenFill>
+            </a:ext>
+          </a:extLst>
         </p:spPr>
       </p:pic>
     </p:spTree>
